--- a/docs/pres.pptx
+++ b/docs/pres.pptx
@@ -9,9 +9,13 @@
     <p:sldId id="257" r:id="rId3"/>
     <p:sldId id="258" r:id="rId4"/>
     <p:sldId id="259" r:id="rId5"/>
-    <p:sldId id="260" r:id="rId6"/>
-    <p:sldId id="261" r:id="rId7"/>
-    <p:sldId id="262" r:id="rId8"/>
+    <p:sldId id="263" r:id="rId6"/>
+    <p:sldId id="260" r:id="rId7"/>
+    <p:sldId id="261" r:id="rId8"/>
+    <p:sldId id="266" r:id="rId9"/>
+    <p:sldId id="262" r:id="rId10"/>
+    <p:sldId id="264" r:id="rId11"/>
+    <p:sldId id="265" r:id="rId12"/>
   </p:sldIdLst>
   <p:sldSz cx="12192000" cy="6858000"/>
   <p:notesSz cx="6858000" cy="9144000"/>
@@ -110,6 +114,11 @@
       </a:defRPr>
     </a:lvl9pPr>
   </p:defaultTextStyle>
+  <p:extLst>
+    <p:ext uri="{EFAFB233-063F-42B5-8137-9DF3F51BA10A}">
+      <p15:sldGuideLst xmlns:p15="http://schemas.microsoft.com/office/powerpoint/2012/main"/>
+    </p:ext>
+  </p:extLst>
 </p:presentation>
 </file>
 
@@ -260,7 +269,7 @@
           <a:p>
             <a:fld id="{2668583F-795B-2F48-8527-28CC9C964FF4}" type="datetimeFigureOut">
               <a:rPr lang="en-US" smtClean="0"/>
-              <a:t>12/16/23</a:t>
+              <a:t>3/31/24</a:t>
             </a:fld>
             <a:endParaRPr lang="en-US"/>
           </a:p>
@@ -458,7 +467,7 @@
           <a:p>
             <a:fld id="{2668583F-795B-2F48-8527-28CC9C964FF4}" type="datetimeFigureOut">
               <a:rPr lang="en-US" smtClean="0"/>
-              <a:t>12/16/23</a:t>
+              <a:t>3/31/24</a:t>
             </a:fld>
             <a:endParaRPr lang="en-US"/>
           </a:p>
@@ -666,7 +675,7 @@
           <a:p>
             <a:fld id="{2668583F-795B-2F48-8527-28CC9C964FF4}" type="datetimeFigureOut">
               <a:rPr lang="en-US" smtClean="0"/>
-              <a:t>12/16/23</a:t>
+              <a:t>3/31/24</a:t>
             </a:fld>
             <a:endParaRPr lang="en-US"/>
           </a:p>
@@ -864,7 +873,7 @@
           <a:p>
             <a:fld id="{2668583F-795B-2F48-8527-28CC9C964FF4}" type="datetimeFigureOut">
               <a:rPr lang="en-US" smtClean="0"/>
-              <a:t>12/16/23</a:t>
+              <a:t>3/31/24</a:t>
             </a:fld>
             <a:endParaRPr lang="en-US"/>
           </a:p>
@@ -1139,7 +1148,7 @@
           <a:p>
             <a:fld id="{2668583F-795B-2F48-8527-28CC9C964FF4}" type="datetimeFigureOut">
               <a:rPr lang="en-US" smtClean="0"/>
-              <a:t>12/16/23</a:t>
+              <a:t>3/31/24</a:t>
             </a:fld>
             <a:endParaRPr lang="en-US"/>
           </a:p>
@@ -1404,7 +1413,7 @@
           <a:p>
             <a:fld id="{2668583F-795B-2F48-8527-28CC9C964FF4}" type="datetimeFigureOut">
               <a:rPr lang="en-US" smtClean="0"/>
-              <a:t>12/16/23</a:t>
+              <a:t>3/31/24</a:t>
             </a:fld>
             <a:endParaRPr lang="en-US"/>
           </a:p>
@@ -1816,7 +1825,7 @@
           <a:p>
             <a:fld id="{2668583F-795B-2F48-8527-28CC9C964FF4}" type="datetimeFigureOut">
               <a:rPr lang="en-US" smtClean="0"/>
-              <a:t>12/16/23</a:t>
+              <a:t>3/31/24</a:t>
             </a:fld>
             <a:endParaRPr lang="en-US"/>
           </a:p>
@@ -1957,7 +1966,7 @@
           <a:p>
             <a:fld id="{2668583F-795B-2F48-8527-28CC9C964FF4}" type="datetimeFigureOut">
               <a:rPr lang="en-US" smtClean="0"/>
-              <a:t>12/16/23</a:t>
+              <a:t>3/31/24</a:t>
             </a:fld>
             <a:endParaRPr lang="en-US"/>
           </a:p>
@@ -2070,7 +2079,7 @@
           <a:p>
             <a:fld id="{2668583F-795B-2F48-8527-28CC9C964FF4}" type="datetimeFigureOut">
               <a:rPr lang="en-US" smtClean="0"/>
-              <a:t>12/16/23</a:t>
+              <a:t>3/31/24</a:t>
             </a:fld>
             <a:endParaRPr lang="en-US"/>
           </a:p>
@@ -2381,7 +2390,7 @@
           <a:p>
             <a:fld id="{2668583F-795B-2F48-8527-28CC9C964FF4}" type="datetimeFigureOut">
               <a:rPr lang="en-US" smtClean="0"/>
-              <a:t>12/16/23</a:t>
+              <a:t>3/31/24</a:t>
             </a:fld>
             <a:endParaRPr lang="en-US"/>
           </a:p>
@@ -2669,7 +2678,7 @@
           <a:p>
             <a:fld id="{2668583F-795B-2F48-8527-28CC9C964FF4}" type="datetimeFigureOut">
               <a:rPr lang="en-US" smtClean="0"/>
-              <a:t>12/16/23</a:t>
+              <a:t>3/31/24</a:t>
             </a:fld>
             <a:endParaRPr lang="en-US"/>
           </a:p>
@@ -2910,7 +2919,7 @@
           <a:p>
             <a:fld id="{2668583F-795B-2F48-8527-28CC9C964FF4}" type="datetimeFigureOut">
               <a:rPr lang="en-US" smtClean="0"/>
-              <a:t>12/16/23</a:t>
+              <a:t>3/31/24</a:t>
             </a:fld>
             <a:endParaRPr lang="en-US"/>
           </a:p>
@@ -3663,6 +3672,264 @@
 </p:sld>
 </file>
 
+<file path=ppt/slides/slide10.xml><?xml version="1.0" encoding="utf-8"?>
+<p:sld xmlns:a="http://schemas.openxmlformats.org/drawingml/2006/main" xmlns:r="http://schemas.openxmlformats.org/officeDocument/2006/relationships" xmlns:p="http://schemas.openxmlformats.org/presentationml/2006/main">
+  <p:cSld>
+    <p:spTree>
+      <p:nvGrpSpPr>
+        <p:cNvPr id="1" name=""/>
+        <p:cNvGrpSpPr/>
+        <p:nvPr/>
+      </p:nvGrpSpPr>
+      <p:grpSpPr>
+        <a:xfrm>
+          <a:off x="0" y="0"/>
+          <a:ext cx="0" cy="0"/>
+          <a:chOff x="0" y="0"/>
+          <a:chExt cx="0" cy="0"/>
+        </a:xfrm>
+      </p:grpSpPr>
+      <p:sp>
+        <p:nvSpPr>
+          <p:cNvPr id="2" name="Title 1">
+            <a:extLst>
+              <a:ext uri="{FF2B5EF4-FFF2-40B4-BE49-F238E27FC236}">
+                <a16:creationId xmlns:a16="http://schemas.microsoft.com/office/drawing/2014/main" id="{DAE73E34-B0B9-AF20-4DC5-2EAD4E75F2D2}"/>
+              </a:ext>
+            </a:extLst>
+          </p:cNvPr>
+          <p:cNvSpPr>
+            <a:spLocks noGrp="1"/>
+          </p:cNvSpPr>
+          <p:nvPr>
+            <p:ph type="title"/>
+          </p:nvPr>
+        </p:nvSpPr>
+        <p:spPr/>
+        <p:txBody>
+          <a:bodyPr/>
+          <a:lstStyle/>
+          <a:p>
+            <a:r>
+              <a:rPr lang="ru-RU" dirty="0"/>
+              <a:t>Исследование</a:t>
+            </a:r>
+            <a:endParaRPr lang="en-US" dirty="0"/>
+          </a:p>
+        </p:txBody>
+      </p:sp>
+      <p:pic>
+        <p:nvPicPr>
+          <p:cNvPr id="5" name="Content Placeholder 4">
+            <a:extLst>
+              <a:ext uri="{FF2B5EF4-FFF2-40B4-BE49-F238E27FC236}">
+                <a16:creationId xmlns:a16="http://schemas.microsoft.com/office/drawing/2014/main" id="{A21756DA-9F67-4279-F0A7-0823F5560CED}"/>
+              </a:ext>
+            </a:extLst>
+          </p:cNvPr>
+          <p:cNvPicPr>
+            <a:picLocks noGrp="1" noChangeAspect="1"/>
+          </p:cNvPicPr>
+          <p:nvPr>
+            <p:ph idx="1"/>
+          </p:nvPr>
+        </p:nvPicPr>
+        <p:blipFill>
+          <a:blip r:embed="rId2">
+            <a:extLst>
+              <a:ext uri="{96DAC541-7B7A-43D3-8B79-37D633B846F1}">
+                <asvg:svgBlip xmlns:asvg="http://schemas.microsoft.com/office/drawing/2016/SVG/main" r:embed="rId3"/>
+              </a:ext>
+            </a:extLst>
+          </a:blip>
+          <a:stretch>
+            <a:fillRect/>
+          </a:stretch>
+        </p:blipFill>
+        <p:spPr>
+          <a:xfrm>
+            <a:off x="2452743" y="1268852"/>
+            <a:ext cx="7207623" cy="5405717"/>
+          </a:xfrm>
+        </p:spPr>
+      </p:pic>
+    </p:spTree>
+    <p:extLst>
+      <p:ext uri="{BB962C8B-B14F-4D97-AF65-F5344CB8AC3E}">
+        <p14:creationId xmlns:p14="http://schemas.microsoft.com/office/powerpoint/2010/main" val="2001523847"/>
+      </p:ext>
+    </p:extLst>
+  </p:cSld>
+  <p:clrMapOvr>
+    <a:masterClrMapping/>
+  </p:clrMapOvr>
+</p:sld>
+</file>
+
+<file path=ppt/slides/slide11.xml><?xml version="1.0" encoding="utf-8"?>
+<p:sld xmlns:a="http://schemas.openxmlformats.org/drawingml/2006/main" xmlns:r="http://schemas.openxmlformats.org/officeDocument/2006/relationships" xmlns:p="http://schemas.openxmlformats.org/presentationml/2006/main">
+  <p:cSld>
+    <p:spTree>
+      <p:nvGrpSpPr>
+        <p:cNvPr id="1" name=""/>
+        <p:cNvGrpSpPr/>
+        <p:nvPr/>
+      </p:nvGrpSpPr>
+      <p:grpSpPr>
+        <a:xfrm>
+          <a:off x="0" y="0"/>
+          <a:ext cx="0" cy="0"/>
+          <a:chOff x="0" y="0"/>
+          <a:chExt cx="0" cy="0"/>
+        </a:xfrm>
+      </p:grpSpPr>
+      <p:sp>
+        <p:nvSpPr>
+          <p:cNvPr id="2" name="Title 1">
+            <a:extLst>
+              <a:ext uri="{FF2B5EF4-FFF2-40B4-BE49-F238E27FC236}">
+                <a16:creationId xmlns:a16="http://schemas.microsoft.com/office/drawing/2014/main" id="{A0997558-BC7C-F80E-8C17-389A2B5EF5CC}"/>
+              </a:ext>
+            </a:extLst>
+          </p:cNvPr>
+          <p:cNvSpPr>
+            <a:spLocks noGrp="1"/>
+          </p:cNvSpPr>
+          <p:nvPr>
+            <p:ph type="title"/>
+          </p:nvPr>
+        </p:nvSpPr>
+        <p:spPr/>
+        <p:txBody>
+          <a:bodyPr/>
+          <a:lstStyle/>
+          <a:p>
+            <a:r>
+              <a:rPr lang="ru-RU" dirty="0"/>
+              <a:t>Заключение</a:t>
+            </a:r>
+            <a:endParaRPr lang="en-US" dirty="0"/>
+          </a:p>
+        </p:txBody>
+      </p:sp>
+      <p:sp>
+        <p:nvSpPr>
+          <p:cNvPr id="3" name="Content Placeholder 2">
+            <a:extLst>
+              <a:ext uri="{FF2B5EF4-FFF2-40B4-BE49-F238E27FC236}">
+                <a16:creationId xmlns:a16="http://schemas.microsoft.com/office/drawing/2014/main" id="{934314C1-D08B-514B-45BE-6317E48AB492}"/>
+              </a:ext>
+            </a:extLst>
+          </p:cNvPr>
+          <p:cNvSpPr>
+            <a:spLocks noGrp="1"/>
+          </p:cNvSpPr>
+          <p:nvPr>
+            <p:ph idx="1"/>
+          </p:nvPr>
+        </p:nvSpPr>
+        <p:spPr/>
+        <p:txBody>
+          <a:bodyPr>
+            <a:normAutofit fontScale="92500" lnSpcReduction="20000"/>
+          </a:bodyPr>
+          <a:lstStyle/>
+          <a:p>
+            <a:pPr marL="0" indent="0">
+              <a:buNone/>
+            </a:pPr>
+            <a:r>
+              <a:rPr lang="ru-RU" dirty="0"/>
+              <a:t>Была реализована программа для построения </a:t>
+            </a:r>
+          </a:p>
+          <a:p>
+            <a:pPr marL="0" indent="0">
+              <a:buNone/>
+            </a:pPr>
+            <a:r>
+              <a:rPr lang="ru-RU" dirty="0"/>
+              <a:t>изображений трехмерных </a:t>
+            </a:r>
+            <a:r>
+              <a:rPr lang="ru-RU" dirty="0" err="1"/>
+              <a:t>воксельных</a:t>
+            </a:r>
+            <a:r>
+              <a:rPr lang="ru-RU" dirty="0"/>
+              <a:t> сцен в реальном времени</a:t>
+            </a:r>
+          </a:p>
+          <a:p>
+            <a:pPr marL="0" indent="0">
+              <a:buNone/>
+            </a:pPr>
+            <a:r>
+              <a:rPr lang="ru-RU" dirty="0"/>
+              <a:t>с возможностью визуализации воды.</a:t>
+            </a:r>
+          </a:p>
+          <a:p>
+            <a:endParaRPr lang="ru-RU" dirty="0"/>
+          </a:p>
+          <a:p>
+            <a:pPr marL="0" indent="0">
+              <a:buNone/>
+            </a:pPr>
+            <a:r>
+              <a:rPr lang="ru-RU" dirty="0"/>
+              <a:t>Были решены все задачи:</a:t>
+            </a:r>
+            <a:r>
+              <a:rPr lang="en-US" dirty="0"/>
+              <a:t>    </a:t>
+            </a:r>
+            <a:endParaRPr lang="ru-RU" dirty="0"/>
+          </a:p>
+          <a:p>
+            <a:r>
+              <a:rPr lang="ru-RU" dirty="0"/>
+              <a:t>были выбраны алгоритмы компьютерной графики, позволяющие визуализировать трехмерную </a:t>
+            </a:r>
+            <a:r>
+              <a:rPr lang="ru-RU" dirty="0" err="1"/>
+              <a:t>воксельную</a:t>
+            </a:r>
+            <a:r>
+              <a:rPr lang="ru-RU" dirty="0"/>
+              <a:t> сцену в реальном времени;</a:t>
+            </a:r>
+          </a:p>
+          <a:p>
+            <a:r>
+              <a:rPr lang="ru-RU" dirty="0"/>
+              <a:t>были реализованы выбранные алгоритмы построения трехмерной сцены;</a:t>
+            </a:r>
+          </a:p>
+          <a:p>
+            <a:r>
+              <a:rPr lang="ru-RU" dirty="0"/>
+              <a:t>была исследована зависимость времени отрисовки кадра от параметров алгоритма визуализации трехмерной сцены.</a:t>
+            </a:r>
+          </a:p>
+          <a:p>
+            <a:endParaRPr lang="en-US" dirty="0"/>
+          </a:p>
+        </p:txBody>
+      </p:sp>
+    </p:spTree>
+    <p:extLst>
+      <p:ext uri="{BB962C8B-B14F-4D97-AF65-F5344CB8AC3E}">
+        <p14:creationId xmlns:p14="http://schemas.microsoft.com/office/powerpoint/2010/main" val="14493992"/>
+      </p:ext>
+    </p:extLst>
+  </p:cSld>
+  <p:clrMapOvr>
+    <a:masterClrMapping/>
+  </p:clrMapOvr>
+</p:sld>
+</file>
+
 <file path=ppt/slides/slide2.xml><?xml version="1.0" encoding="utf-8"?>
 <p:sld xmlns:a="http://schemas.openxmlformats.org/drawingml/2006/main" xmlns:r="http://schemas.openxmlformats.org/officeDocument/2006/relationships" xmlns:p="http://schemas.openxmlformats.org/presentationml/2006/main">
   <p:cSld>
@@ -4176,6 +4443,114 @@
 </file>
 
 <file path=ppt/slides/slide5.xml><?xml version="1.0" encoding="utf-8"?>
+<p:sld xmlns:a="http://schemas.openxmlformats.org/drawingml/2006/main" xmlns:r="http://schemas.openxmlformats.org/officeDocument/2006/relationships" xmlns:p="http://schemas.openxmlformats.org/presentationml/2006/main">
+  <p:cSld>
+    <p:spTree>
+      <p:nvGrpSpPr>
+        <p:cNvPr id="1" name=""/>
+        <p:cNvGrpSpPr/>
+        <p:nvPr/>
+      </p:nvGrpSpPr>
+      <p:grpSpPr>
+        <a:xfrm>
+          <a:off x="0" y="0"/>
+          <a:ext cx="0" cy="0"/>
+          <a:chOff x="0" y="0"/>
+          <a:chExt cx="0" cy="0"/>
+        </a:xfrm>
+      </p:grpSpPr>
+      <p:sp>
+        <p:nvSpPr>
+          <p:cNvPr id="2" name="Title 1">
+            <a:extLst>
+              <a:ext uri="{FF2B5EF4-FFF2-40B4-BE49-F238E27FC236}">
+                <a16:creationId xmlns:a16="http://schemas.microsoft.com/office/drawing/2014/main" id="{75A2ADF9-48A7-7B13-F466-9314970FE931}"/>
+              </a:ext>
+            </a:extLst>
+          </p:cNvPr>
+          <p:cNvSpPr>
+            <a:spLocks noGrp="1"/>
+          </p:cNvSpPr>
+          <p:nvPr>
+            <p:ph type="title"/>
+          </p:nvPr>
+        </p:nvSpPr>
+        <p:spPr/>
+        <p:txBody>
+          <a:bodyPr/>
+          <a:lstStyle/>
+          <a:p>
+            <a:r>
+              <a:rPr lang="ru-RU" dirty="0"/>
+              <a:t>Средства реализации</a:t>
+            </a:r>
+            <a:endParaRPr lang="en-US" dirty="0"/>
+          </a:p>
+        </p:txBody>
+      </p:sp>
+      <p:sp>
+        <p:nvSpPr>
+          <p:cNvPr id="3" name="Content Placeholder 2">
+            <a:extLst>
+              <a:ext uri="{FF2B5EF4-FFF2-40B4-BE49-F238E27FC236}">
+                <a16:creationId xmlns:a16="http://schemas.microsoft.com/office/drawing/2014/main" id="{0E669206-932F-0E48-E260-9D0AD9D2136E}"/>
+              </a:ext>
+            </a:extLst>
+          </p:cNvPr>
+          <p:cNvSpPr>
+            <a:spLocks noGrp="1"/>
+          </p:cNvSpPr>
+          <p:nvPr>
+            <p:ph idx="1"/>
+          </p:nvPr>
+        </p:nvSpPr>
+        <p:spPr/>
+        <p:txBody>
+          <a:bodyPr/>
+          <a:lstStyle/>
+          <a:p>
+            <a:r>
+              <a:rPr lang="en-US" dirty="0"/>
+              <a:t>Rust</a:t>
+            </a:r>
+          </a:p>
+          <a:p>
+            <a:r>
+              <a:rPr lang="en-US" dirty="0" err="1"/>
+              <a:t>WebGPU</a:t>
+            </a:r>
+            <a:endParaRPr lang="en-US" dirty="0"/>
+          </a:p>
+          <a:p>
+            <a:r>
+              <a:rPr lang="en-US" dirty="0"/>
+              <a:t>Dear </a:t>
+            </a:r>
+            <a:r>
+              <a:rPr lang="en-US" dirty="0" err="1"/>
+              <a:t>Imgui</a:t>
+            </a:r>
+            <a:endParaRPr lang="en-US" dirty="0"/>
+          </a:p>
+          <a:p>
+            <a:endParaRPr lang="en-US" dirty="0"/>
+          </a:p>
+        </p:txBody>
+      </p:sp>
+    </p:spTree>
+    <p:extLst>
+      <p:ext uri="{BB962C8B-B14F-4D97-AF65-F5344CB8AC3E}">
+        <p14:creationId xmlns:p14="http://schemas.microsoft.com/office/powerpoint/2010/main" val="3630685455"/>
+      </p:ext>
+    </p:extLst>
+  </p:cSld>
+  <p:clrMapOvr>
+    <a:masterClrMapping/>
+  </p:clrMapOvr>
+</p:sld>
+</file>
+
+<file path=ppt/slides/slide6.xml><?xml version="1.0" encoding="utf-8"?>
 <p:sld xmlns:a="http://schemas.openxmlformats.org/drawingml/2006/main" xmlns:r="http://schemas.openxmlformats.org/officeDocument/2006/relationships" xmlns:p="http://schemas.openxmlformats.org/presentationml/2006/main">
   <p:cSld>
     <p:spTree>
@@ -4264,7 +4639,7 @@
 </p:sld>
 </file>
 
-<file path=ppt/slides/slide6.xml><?xml version="1.0" encoding="utf-8"?>
+<file path=ppt/slides/slide7.xml><?xml version="1.0" encoding="utf-8"?>
 <p:sld xmlns:a="http://schemas.openxmlformats.org/drawingml/2006/main" xmlns:r="http://schemas.openxmlformats.org/officeDocument/2006/relationships" xmlns:p="http://schemas.openxmlformats.org/presentationml/2006/main">
   <p:cSld>
     <p:spTree>
@@ -4468,7 +4843,67 @@
 </p:sld>
 </file>
 
-<file path=ppt/slides/slide7.xml><?xml version="1.0" encoding="utf-8"?>
+<file path=ppt/slides/slide8.xml><?xml version="1.0" encoding="utf-8"?>
+<p:sld xmlns:a="http://schemas.openxmlformats.org/drawingml/2006/main" xmlns:r="http://schemas.openxmlformats.org/officeDocument/2006/relationships" xmlns:p="http://schemas.openxmlformats.org/presentationml/2006/main">
+  <p:cSld>
+    <p:spTree>
+      <p:nvGrpSpPr>
+        <p:cNvPr id="1" name=""/>
+        <p:cNvGrpSpPr/>
+        <p:nvPr/>
+      </p:nvGrpSpPr>
+      <p:grpSpPr>
+        <a:xfrm>
+          <a:off x="0" y="0"/>
+          <a:ext cx="0" cy="0"/>
+          <a:chOff x="0" y="0"/>
+          <a:chExt cx="0" cy="0"/>
+        </a:xfrm>
+      </p:grpSpPr>
+      <p:pic>
+        <p:nvPicPr>
+          <p:cNvPr id="4" name="Picture 3">
+            <a:extLst>
+              <a:ext uri="{FF2B5EF4-FFF2-40B4-BE49-F238E27FC236}">
+                <a16:creationId xmlns:a16="http://schemas.microsoft.com/office/drawing/2014/main" id="{4D7DCF78-D758-A62C-9E04-A4EDF5E3D1C4}"/>
+              </a:ext>
+            </a:extLst>
+          </p:cNvPr>
+          <p:cNvPicPr>
+            <a:picLocks noChangeAspect="1"/>
+          </p:cNvPicPr>
+          <p:nvPr/>
+        </p:nvPicPr>
+        <p:blipFill>
+          <a:blip r:embed="rId2"/>
+          <a:stretch>
+            <a:fillRect/>
+          </a:stretch>
+        </p:blipFill>
+        <p:spPr>
+          <a:xfrm>
+            <a:off x="1026010" y="204722"/>
+            <a:ext cx="10139979" cy="6448556"/>
+          </a:xfrm>
+          <a:prstGeom prst="rect">
+            <a:avLst/>
+          </a:prstGeom>
+        </p:spPr>
+      </p:pic>
+    </p:spTree>
+    <p:extLst>
+      <p:ext uri="{BB962C8B-B14F-4D97-AF65-F5344CB8AC3E}">
+        <p14:creationId xmlns:p14="http://schemas.microsoft.com/office/powerpoint/2010/main" val="2014183537"/>
+      </p:ext>
+    </p:extLst>
+  </p:cSld>
+  <p:clrMapOvr>
+    <a:masterClrMapping/>
+  </p:clrMapOvr>
+</p:sld>
+</file>
+
+<file path=ppt/slides/slide9.xml><?xml version="1.0" encoding="utf-8"?>
 <p:sld xmlns:a="http://schemas.openxmlformats.org/drawingml/2006/main" xmlns:r="http://schemas.openxmlformats.org/officeDocument/2006/relationships" xmlns:p="http://schemas.openxmlformats.org/presentationml/2006/main">
   <p:cSld>
     <p:spTree>
